--- a/Oscar Predictions Presentation.pptx
+++ b/Oscar Predictions Presentation.pptx
@@ -5,7 +5,7 @@
     <p:sldMasterId id="2147483648" r:id="rId1"/>
   </p:sldMasterIdLst>
   <p:notesMasterIdLst>
-    <p:notesMasterId r:id="rId25"/>
+    <p:notesMasterId r:id="rId26"/>
   </p:notesMasterIdLst>
   <p:sldIdLst>
     <p:sldId id="256" r:id="rId2"/>
@@ -17,20 +17,21 @@
     <p:sldId id="264" r:id="rId8"/>
     <p:sldId id="260" r:id="rId9"/>
     <p:sldId id="261" r:id="rId10"/>
-    <p:sldId id="265" r:id="rId11"/>
-    <p:sldId id="267" r:id="rId12"/>
-    <p:sldId id="268" r:id="rId13"/>
-    <p:sldId id="269" r:id="rId14"/>
-    <p:sldId id="271" r:id="rId15"/>
-    <p:sldId id="270" r:id="rId16"/>
-    <p:sldId id="272" r:id="rId17"/>
-    <p:sldId id="273" r:id="rId18"/>
-    <p:sldId id="274" r:id="rId19"/>
-    <p:sldId id="275" r:id="rId20"/>
-    <p:sldId id="276" r:id="rId21"/>
-    <p:sldId id="277" r:id="rId22"/>
-    <p:sldId id="278" r:id="rId23"/>
-    <p:sldId id="279" r:id="rId24"/>
+    <p:sldId id="280" r:id="rId11"/>
+    <p:sldId id="265" r:id="rId12"/>
+    <p:sldId id="267" r:id="rId13"/>
+    <p:sldId id="268" r:id="rId14"/>
+    <p:sldId id="269" r:id="rId15"/>
+    <p:sldId id="271" r:id="rId16"/>
+    <p:sldId id="270" r:id="rId17"/>
+    <p:sldId id="272" r:id="rId18"/>
+    <p:sldId id="273" r:id="rId19"/>
+    <p:sldId id="274" r:id="rId20"/>
+    <p:sldId id="275" r:id="rId21"/>
+    <p:sldId id="276" r:id="rId22"/>
+    <p:sldId id="277" r:id="rId23"/>
+    <p:sldId id="278" r:id="rId24"/>
+    <p:sldId id="279" r:id="rId25"/>
   </p:sldIdLst>
   <p:sldSz cx="12192000" cy="6858000"/>
   <p:notesSz cx="6858000" cy="9144000"/>
@@ -219,7 +220,7 @@
           <a:p>
             <a:fld id="{963CFD25-6679-4437-B038-DE1E1C165F3B}" type="datetimeFigureOut">
               <a:rPr lang="en-US" smtClean="0"/>
-              <a:t>1/31/2020</a:t>
+              <a:t>2/4/2020</a:t>
             </a:fld>
             <a:endParaRPr lang="en-US"/>
           </a:p>
@@ -650,7 +651,7 @@
     </p:spTree>
     <p:extLst>
       <p:ext uri="{BB962C8B-B14F-4D97-AF65-F5344CB8AC3E}">
-        <p14:creationId xmlns:p14="http://schemas.microsoft.com/office/powerpoint/2010/main" val="3941098393"/>
+        <p14:creationId xmlns:p14="http://schemas.microsoft.com/office/powerpoint/2010/main" val="1843744246"/>
       </p:ext>
     </p:extLst>
   </p:cSld>
@@ -726,6 +727,90 @@
             <a:fld id="{23C693C4-DE4C-457B-BB17-6E912E2AD51D}" type="slidenum">
               <a:rPr lang="en-US" smtClean="0"/>
               <a:t>18</a:t>
+            </a:fld>
+            <a:endParaRPr lang="en-US"/>
+          </a:p>
+        </p:txBody>
+      </p:sp>
+    </p:spTree>
+    <p:extLst>
+      <p:ext uri="{BB962C8B-B14F-4D97-AF65-F5344CB8AC3E}">
+        <p14:creationId xmlns:p14="http://schemas.microsoft.com/office/powerpoint/2010/main" val="3941098393"/>
+      </p:ext>
+    </p:extLst>
+  </p:cSld>
+  <p:clrMapOvr>
+    <a:masterClrMapping/>
+  </p:clrMapOvr>
+</p:notes>
+</file>
+
+<file path=ppt/notesSlides/notesSlide12.xml><?xml version="1.0" encoding="utf-8"?>
+<p:notes xmlns:a="http://schemas.openxmlformats.org/drawingml/2006/main" xmlns:r="http://schemas.openxmlformats.org/officeDocument/2006/relationships" xmlns:p="http://schemas.openxmlformats.org/presentationml/2006/main">
+  <p:cSld>
+    <p:spTree>
+      <p:nvGrpSpPr>
+        <p:cNvPr id="1" name=""/>
+        <p:cNvGrpSpPr/>
+        <p:nvPr/>
+      </p:nvGrpSpPr>
+      <p:grpSpPr>
+        <a:xfrm>
+          <a:off x="0" y="0"/>
+          <a:ext cx="0" cy="0"/>
+          <a:chOff x="0" y="0"/>
+          <a:chExt cx="0" cy="0"/>
+        </a:xfrm>
+      </p:grpSpPr>
+      <p:sp>
+        <p:nvSpPr>
+          <p:cNvPr id="2" name="Slide Image Placeholder 1"/>
+          <p:cNvSpPr>
+            <a:spLocks noGrp="1" noRot="1" noChangeAspect="1"/>
+          </p:cNvSpPr>
+          <p:nvPr>
+            <p:ph type="sldImg"/>
+          </p:nvPr>
+        </p:nvSpPr>
+        <p:spPr/>
+      </p:sp>
+      <p:sp>
+        <p:nvSpPr>
+          <p:cNvPr id="3" name="Notes Placeholder 2"/>
+          <p:cNvSpPr>
+            <a:spLocks noGrp="1"/>
+          </p:cNvSpPr>
+          <p:nvPr>
+            <p:ph type="body" idx="1"/>
+          </p:nvPr>
+        </p:nvSpPr>
+        <p:spPr/>
+        <p:txBody>
+          <a:bodyPr/>
+          <a:lstStyle/>
+          <a:p>
+            <a:endParaRPr lang="en-US" dirty="0"/>
+          </a:p>
+        </p:txBody>
+      </p:sp>
+      <p:sp>
+        <p:nvSpPr>
+          <p:cNvPr id="4" name="Slide Number Placeholder 3"/>
+          <p:cNvSpPr>
+            <a:spLocks noGrp="1"/>
+          </p:cNvSpPr>
+          <p:nvPr>
+            <p:ph type="sldNum" sz="quarter" idx="5"/>
+          </p:nvPr>
+        </p:nvSpPr>
+        <p:spPr/>
+        <p:txBody>
+          <a:bodyPr/>
+          <a:lstStyle/>
+          <a:p>
+            <a:fld id="{23C693C4-DE4C-457B-BB17-6E912E2AD51D}" type="slidenum">
+              <a:rPr lang="en-US" smtClean="0"/>
+              <a:t>19</a:t>
             </a:fld>
             <a:endParaRPr lang="en-US"/>
           </a:p>
@@ -1069,7 +1154,13 @@
           <a:p>
             <a:r>
               <a:rPr lang="en-US" dirty="0"/>
-              <a:t>https://youtu.be/DVw_RPUrc4g?t=68</a:t>
+              <a:t>Where could you find the data?</a:t>
+            </a:r>
+          </a:p>
+          <a:p>
+            <a:r>
+              <a:rPr lang="en-US" dirty="0"/>
+              <a:t>How would you collect it?</a:t>
             </a:r>
           </a:p>
         </p:txBody>
@@ -1100,7 +1191,7 @@
     </p:spTree>
     <p:extLst>
       <p:ext uri="{BB962C8B-B14F-4D97-AF65-F5344CB8AC3E}">
-        <p14:creationId xmlns:p14="http://schemas.microsoft.com/office/powerpoint/2010/main" val="1211103330"/>
+        <p14:creationId xmlns:p14="http://schemas.microsoft.com/office/powerpoint/2010/main" val="947762137"/>
       </p:ext>
     </p:extLst>
   </p:cSld>
@@ -1155,12 +1246,9 @@
           <a:lstStyle/>
           <a:p>
             <a:r>
-              <a:rPr lang="en-US" dirty="0">
-                <a:hlinkClick r:id="rId3"/>
-              </a:rPr>
-              <a:t>https://trends.google.com/trends/explore?geo=US&amp;q=Martin%20Scorsese%20Oscars,Bong%20Joon%20Ho%20Oscars,Quentin%20Tarantino%20Oscars,Sam%20Mendes%20Oscars,Todd%20Phillips%20Oscars</a:t>
-            </a:r>
-            <a:endParaRPr lang="en-US" dirty="0"/>
+              <a:rPr lang="en-US" dirty="0"/>
+              <a:t>https://youtu.be/DVw_RPUrc4g?t=68</a:t>
+            </a:r>
           </a:p>
         </p:txBody>
       </p:sp>
@@ -1181,7 +1269,7 @@
           <a:p>
             <a:fld id="{23C693C4-DE4C-457B-BB17-6E912E2AD51D}" type="slidenum">
               <a:rPr lang="en-US" smtClean="0"/>
-              <a:t>12</a:t>
+              <a:t>11</a:t>
             </a:fld>
             <a:endParaRPr lang="en-US"/>
           </a:p>
@@ -1190,7 +1278,7 @@
     </p:spTree>
     <p:extLst>
       <p:ext uri="{BB962C8B-B14F-4D97-AF65-F5344CB8AC3E}">
-        <p14:creationId xmlns:p14="http://schemas.microsoft.com/office/powerpoint/2010/main" val="4235995649"/>
+        <p14:creationId xmlns:p14="http://schemas.microsoft.com/office/powerpoint/2010/main" val="1211103330"/>
       </p:ext>
     </p:extLst>
   </p:cSld>
@@ -1248,16 +1336,7 @@
               <a:rPr lang="en-US" dirty="0">
                 <a:hlinkClick r:id="rId3"/>
               </a:rPr>
-              <a:t>https://www.google.com/search?&amp;tbm=nws&amp;q=joaquin+phoenix+arthur+fleck+Oscars</a:t>
-            </a:r>
-            <a:endParaRPr lang="en-US" dirty="0"/>
-          </a:p>
-          <a:p>
-            <a:r>
-              <a:rPr lang="en-US" dirty="0">
-                <a:hlinkClick r:id="rId4"/>
-              </a:rPr>
-              <a:t>https://www.google.com/search?&amp;tbm=nws&amp;q=leonardo+dicaprio+rick+dalton+oscars</a:t>
+              <a:t>https://trends.google.com/trends/explore?geo=US&amp;q=Martin%20Scorsese%20Oscars,Bong%20Joon%20Ho%20Oscars,Quentin%20Tarantino%20Oscars,Sam%20Mendes%20Oscars,Todd%20Phillips%20Oscars</a:t>
             </a:r>
             <a:endParaRPr lang="en-US" dirty="0"/>
           </a:p>
@@ -1289,7 +1368,7 @@
     </p:spTree>
     <p:extLst>
       <p:ext uri="{BB962C8B-B14F-4D97-AF65-F5344CB8AC3E}">
-        <p14:creationId xmlns:p14="http://schemas.microsoft.com/office/powerpoint/2010/main" val="2598797346"/>
+        <p14:creationId xmlns:p14="http://schemas.microsoft.com/office/powerpoint/2010/main" val="4235995649"/>
       </p:ext>
     </p:extLst>
   </p:cSld>
@@ -1379,7 +1458,7 @@
           <a:p>
             <a:fld id="{23C693C4-DE4C-457B-BB17-6E912E2AD51D}" type="slidenum">
               <a:rPr lang="en-US" smtClean="0"/>
-              <a:t>15</a:t>
+              <a:t>14</a:t>
             </a:fld>
             <a:endParaRPr lang="en-US"/>
           </a:p>
@@ -1388,7 +1467,7 @@
     </p:spTree>
     <p:extLst>
       <p:ext uri="{BB962C8B-B14F-4D97-AF65-F5344CB8AC3E}">
-        <p14:creationId xmlns:p14="http://schemas.microsoft.com/office/powerpoint/2010/main" val="1160910442"/>
+        <p14:creationId xmlns:p14="http://schemas.microsoft.com/office/powerpoint/2010/main" val="2598797346"/>
       </p:ext>
     </p:extLst>
   </p:cSld>
@@ -1442,6 +1521,21 @@
           <a:bodyPr/>
           <a:lstStyle/>
           <a:p>
+            <a:r>
+              <a:rPr lang="en-US" dirty="0">
+                <a:hlinkClick r:id="rId3"/>
+              </a:rPr>
+              <a:t>https://www.google.com/search?&amp;tbm=nws&amp;q=joaquin+phoenix+arthur+fleck+Oscars</a:t>
+            </a:r>
+            <a:endParaRPr lang="en-US" dirty="0"/>
+          </a:p>
+          <a:p>
+            <a:r>
+              <a:rPr lang="en-US" dirty="0">
+                <a:hlinkClick r:id="rId4"/>
+              </a:rPr>
+              <a:t>https://www.google.com/search?&amp;tbm=nws&amp;q=leonardo+dicaprio+rick+dalton+oscars</a:t>
+            </a:r>
             <a:endParaRPr lang="en-US" dirty="0"/>
           </a:p>
         </p:txBody>
@@ -1472,7 +1566,7 @@
     </p:spTree>
     <p:extLst>
       <p:ext uri="{BB962C8B-B14F-4D97-AF65-F5344CB8AC3E}">
-        <p14:creationId xmlns:p14="http://schemas.microsoft.com/office/powerpoint/2010/main" val="1843744246"/>
+        <p14:creationId xmlns:p14="http://schemas.microsoft.com/office/powerpoint/2010/main" val="1160910442"/>
       </p:ext>
     </p:extLst>
   </p:cSld>
@@ -1629,7 +1723,7 @@
           <a:p>
             <a:fld id="{3EC82FA5-C962-46F0-BA49-52E73844F258}" type="datetimeFigureOut">
               <a:rPr lang="en-US" smtClean="0"/>
-              <a:t>1/31/2020</a:t>
+              <a:t>2/4/2020</a:t>
             </a:fld>
             <a:endParaRPr lang="en-US"/>
           </a:p>
@@ -1827,7 +1921,7 @@
           <a:p>
             <a:fld id="{3EC82FA5-C962-46F0-BA49-52E73844F258}" type="datetimeFigureOut">
               <a:rPr lang="en-US" smtClean="0"/>
-              <a:t>1/31/2020</a:t>
+              <a:t>2/4/2020</a:t>
             </a:fld>
             <a:endParaRPr lang="en-US"/>
           </a:p>
@@ -2035,7 +2129,7 @@
           <a:p>
             <a:fld id="{3EC82FA5-C962-46F0-BA49-52E73844F258}" type="datetimeFigureOut">
               <a:rPr lang="en-US" smtClean="0"/>
-              <a:t>1/31/2020</a:t>
+              <a:t>2/4/2020</a:t>
             </a:fld>
             <a:endParaRPr lang="en-US"/>
           </a:p>
@@ -2233,7 +2327,7 @@
           <a:p>
             <a:fld id="{3EC82FA5-C962-46F0-BA49-52E73844F258}" type="datetimeFigureOut">
               <a:rPr lang="en-US" smtClean="0"/>
-              <a:t>1/31/2020</a:t>
+              <a:t>2/4/2020</a:t>
             </a:fld>
             <a:endParaRPr lang="en-US"/>
           </a:p>
@@ -2508,7 +2602,7 @@
           <a:p>
             <a:fld id="{3EC82FA5-C962-46F0-BA49-52E73844F258}" type="datetimeFigureOut">
               <a:rPr lang="en-US" smtClean="0"/>
-              <a:t>1/31/2020</a:t>
+              <a:t>2/4/2020</a:t>
             </a:fld>
             <a:endParaRPr lang="en-US"/>
           </a:p>
@@ -2773,7 +2867,7 @@
           <a:p>
             <a:fld id="{3EC82FA5-C962-46F0-BA49-52E73844F258}" type="datetimeFigureOut">
               <a:rPr lang="en-US" smtClean="0"/>
-              <a:t>1/31/2020</a:t>
+              <a:t>2/4/2020</a:t>
             </a:fld>
             <a:endParaRPr lang="en-US"/>
           </a:p>
@@ -3185,7 +3279,7 @@
           <a:p>
             <a:fld id="{3EC82FA5-C962-46F0-BA49-52E73844F258}" type="datetimeFigureOut">
               <a:rPr lang="en-US" smtClean="0"/>
-              <a:t>1/31/2020</a:t>
+              <a:t>2/4/2020</a:t>
             </a:fld>
             <a:endParaRPr lang="en-US"/>
           </a:p>
@@ -3326,7 +3420,7 @@
           <a:p>
             <a:fld id="{3EC82FA5-C962-46F0-BA49-52E73844F258}" type="datetimeFigureOut">
               <a:rPr lang="en-US" smtClean="0"/>
-              <a:t>1/31/2020</a:t>
+              <a:t>2/4/2020</a:t>
             </a:fld>
             <a:endParaRPr lang="en-US"/>
           </a:p>
@@ -3439,7 +3533,7 @@
           <a:p>
             <a:fld id="{3EC82FA5-C962-46F0-BA49-52E73844F258}" type="datetimeFigureOut">
               <a:rPr lang="en-US" smtClean="0"/>
-              <a:t>1/31/2020</a:t>
+              <a:t>2/4/2020</a:t>
             </a:fld>
             <a:endParaRPr lang="en-US"/>
           </a:p>
@@ -3750,7 +3844,7 @@
           <a:p>
             <a:fld id="{3EC82FA5-C962-46F0-BA49-52E73844F258}" type="datetimeFigureOut">
               <a:rPr lang="en-US" smtClean="0"/>
-              <a:t>1/31/2020</a:t>
+              <a:t>2/4/2020</a:t>
             </a:fld>
             <a:endParaRPr lang="en-US"/>
           </a:p>
@@ -4038,7 +4132,7 @@
           <a:p>
             <a:fld id="{3EC82FA5-C962-46F0-BA49-52E73844F258}" type="datetimeFigureOut">
               <a:rPr lang="en-US" smtClean="0"/>
-              <a:t>1/31/2020</a:t>
+              <a:t>2/4/2020</a:t>
             </a:fld>
             <a:endParaRPr lang="en-US"/>
           </a:p>
@@ -4396,7 +4490,7 @@
           <a:p>
             <a:fld id="{3EC82FA5-C962-46F0-BA49-52E73844F258}" type="datetimeFigureOut">
               <a:rPr lang="en-US" smtClean="0"/>
-              <a:t>1/31/2020</a:t>
+              <a:t>2/4/2020</a:t>
             </a:fld>
             <a:endParaRPr lang="en-US"/>
           </a:p>
@@ -5199,6 +5293,250 @@
           <a:chExt cx="0" cy="0"/>
         </a:xfrm>
       </p:grpSpPr>
+      <p:sp>
+        <p:nvSpPr>
+          <p:cNvPr id="6" name="Title 5">
+            <a:extLst>
+              <a:ext uri="{FF2B5EF4-FFF2-40B4-BE49-F238E27FC236}">
+                <a16:creationId xmlns:a16="http://schemas.microsoft.com/office/drawing/2014/main" id="{7BAAF28D-92C7-4E4D-BBB4-DC29FB18669A}"/>
+              </a:ext>
+            </a:extLst>
+          </p:cNvPr>
+          <p:cNvSpPr>
+            <a:spLocks noGrp="1"/>
+          </p:cNvSpPr>
+          <p:nvPr>
+            <p:ph type="title"/>
+          </p:nvPr>
+        </p:nvSpPr>
+        <p:spPr/>
+        <p:txBody>
+          <a:bodyPr/>
+          <a:lstStyle/>
+          <a:p>
+            <a:r>
+              <a:rPr lang="en-US" cap="small" dirty="0">
+                <a:solidFill>
+                  <a:schemeClr val="accent4">
+                    <a:lumMod val="75000"/>
+                  </a:schemeClr>
+                </a:solidFill>
+              </a:rPr>
+              <a:t>Ideas We Came Up With..</a:t>
+            </a:r>
+          </a:p>
+        </p:txBody>
+      </p:sp>
+      <p:sp>
+        <p:nvSpPr>
+          <p:cNvPr id="3" name="Content Placeholder 2">
+            <a:extLst>
+              <a:ext uri="{FF2B5EF4-FFF2-40B4-BE49-F238E27FC236}">
+                <a16:creationId xmlns:a16="http://schemas.microsoft.com/office/drawing/2014/main" id="{FE8D8CA1-34FF-4658-BD66-9A92BEED331E}"/>
+              </a:ext>
+            </a:extLst>
+          </p:cNvPr>
+          <p:cNvSpPr>
+            <a:spLocks noGrp="1"/>
+          </p:cNvSpPr>
+          <p:nvPr>
+            <p:ph sz="half" idx="1"/>
+          </p:nvPr>
+        </p:nvSpPr>
+        <p:spPr/>
+        <p:txBody>
+          <a:bodyPr anchor="t">
+            <a:normAutofit/>
+          </a:bodyPr>
+          <a:lstStyle/>
+          <a:p>
+            <a:r>
+              <a:rPr lang="en-US" sz="3600" dirty="0">
+                <a:solidFill>
+                  <a:schemeClr val="accent4">
+                    <a:lumMod val="75000"/>
+                  </a:schemeClr>
+                </a:solidFill>
+              </a:rPr>
+              <a:t>Previous nominations/wins</a:t>
+            </a:r>
+          </a:p>
+          <a:p>
+            <a:r>
+              <a:rPr lang="en-US" sz="3600" dirty="0">
+                <a:solidFill>
+                  <a:schemeClr val="accent4">
+                    <a:lumMod val="75000"/>
+                  </a:schemeClr>
+                </a:solidFill>
+              </a:rPr>
+              <a:t>Critical response</a:t>
+            </a:r>
+          </a:p>
+          <a:p>
+            <a:r>
+              <a:rPr lang="en-US" sz="3600" dirty="0">
+                <a:solidFill>
+                  <a:schemeClr val="accent4">
+                    <a:lumMod val="75000"/>
+                  </a:schemeClr>
+                </a:solidFill>
+              </a:rPr>
+              <a:t>Box office results</a:t>
+            </a:r>
+          </a:p>
+          <a:p>
+            <a:r>
+              <a:rPr lang="en-US" sz="3600" dirty="0">
+                <a:solidFill>
+                  <a:schemeClr val="accent4">
+                    <a:lumMod val="75000"/>
+                  </a:schemeClr>
+                </a:solidFill>
+              </a:rPr>
+              <a:t>Aggregated reviews (Rotten Tomatoes)</a:t>
+            </a:r>
+          </a:p>
+          <a:p>
+            <a:r>
+              <a:rPr lang="en-US" sz="3600" dirty="0">
+                <a:solidFill>
+                  <a:schemeClr val="accent4">
+                    <a:lumMod val="75000"/>
+                  </a:schemeClr>
+                </a:solidFill>
+              </a:rPr>
+              <a:t>Other award shows</a:t>
+            </a:r>
+          </a:p>
+          <a:p>
+            <a:pPr marL="0" indent="0" algn="ctr">
+              <a:buNone/>
+            </a:pPr>
+            <a:endParaRPr lang="en-US" sz="3600" dirty="0">
+              <a:solidFill>
+                <a:schemeClr val="accent4">
+                  <a:lumMod val="75000"/>
+                </a:schemeClr>
+              </a:solidFill>
+            </a:endParaRPr>
+          </a:p>
+        </p:txBody>
+      </p:sp>
+      <p:sp>
+        <p:nvSpPr>
+          <p:cNvPr id="7" name="Content Placeholder 6">
+            <a:extLst>
+              <a:ext uri="{FF2B5EF4-FFF2-40B4-BE49-F238E27FC236}">
+                <a16:creationId xmlns:a16="http://schemas.microsoft.com/office/drawing/2014/main" id="{0D092EDA-F25A-490A-B78A-C6334CEF301C}"/>
+              </a:ext>
+            </a:extLst>
+          </p:cNvPr>
+          <p:cNvSpPr>
+            <a:spLocks noGrp="1"/>
+          </p:cNvSpPr>
+          <p:nvPr>
+            <p:ph sz="half" idx="2"/>
+          </p:nvPr>
+        </p:nvSpPr>
+        <p:spPr/>
+        <p:txBody>
+          <a:bodyPr>
+            <a:normAutofit/>
+          </a:bodyPr>
+          <a:lstStyle/>
+          <a:p>
+            <a:r>
+              <a:rPr lang="en-US" sz="3600" dirty="0">
+                <a:solidFill>
+                  <a:schemeClr val="accent4">
+                    <a:lumMod val="75000"/>
+                  </a:schemeClr>
+                </a:solidFill>
+              </a:rPr>
+              <a:t>Ad/Marketing spending</a:t>
+            </a:r>
+          </a:p>
+          <a:p>
+            <a:r>
+              <a:rPr lang="en-US" sz="3600" dirty="0">
+                <a:solidFill>
+                  <a:schemeClr val="accent4">
+                    <a:lumMod val="75000"/>
+                  </a:schemeClr>
+                </a:solidFill>
+              </a:rPr>
+              <a:t>Google search history</a:t>
+            </a:r>
+          </a:p>
+          <a:p>
+            <a:r>
+              <a:rPr lang="en-US" sz="3600" dirty="0">
+                <a:solidFill>
+                  <a:schemeClr val="accent4">
+                    <a:lumMod val="75000"/>
+                  </a:schemeClr>
+                </a:solidFill>
+              </a:rPr>
+              <a:t>Plot / genre</a:t>
+            </a:r>
+          </a:p>
+          <a:p>
+            <a:r>
+              <a:rPr lang="en-US" sz="3600" dirty="0">
+                <a:solidFill>
+                  <a:schemeClr val="accent4">
+                    <a:lumMod val="75000"/>
+                  </a:schemeClr>
+                </a:solidFill>
+              </a:rPr>
+              <a:t>Production company</a:t>
+            </a:r>
+          </a:p>
+          <a:p>
+            <a:r>
+              <a:rPr lang="en-US" sz="3600" dirty="0">
+                <a:solidFill>
+                  <a:schemeClr val="accent4">
+                    <a:lumMod val="75000"/>
+                  </a:schemeClr>
+                </a:solidFill>
+              </a:rPr>
+              <a:t>Eccentric character / body transformation</a:t>
+            </a:r>
+          </a:p>
+        </p:txBody>
+      </p:sp>
+    </p:spTree>
+    <p:extLst>
+      <p:ext uri="{BB962C8B-B14F-4D97-AF65-F5344CB8AC3E}">
+        <p14:creationId xmlns:p14="http://schemas.microsoft.com/office/powerpoint/2010/main" val="695124830"/>
+      </p:ext>
+    </p:extLst>
+  </p:cSld>
+  <p:clrMapOvr>
+    <a:masterClrMapping/>
+  </p:clrMapOvr>
+</p:sld>
+</file>
+
+<file path=ppt/slides/slide11.xml><?xml version="1.0" encoding="utf-8"?>
+<p:sld xmlns:a="http://schemas.openxmlformats.org/drawingml/2006/main" xmlns:r="http://schemas.openxmlformats.org/officeDocument/2006/relationships" xmlns:p="http://schemas.openxmlformats.org/presentationml/2006/main">
+  <p:cSld>
+    <p:spTree>
+      <p:nvGrpSpPr>
+        <p:cNvPr id="1" name=""/>
+        <p:cNvGrpSpPr/>
+        <p:nvPr/>
+      </p:nvGrpSpPr>
+      <p:grpSpPr>
+        <a:xfrm>
+          <a:off x="0" y="0"/>
+          <a:ext cx="0" cy="0"/>
+          <a:chOff x="0" y="0"/>
+          <a:chExt cx="0" cy="0"/>
+        </a:xfrm>
+      </p:grpSpPr>
       <p:pic>
         <p:nvPicPr>
           <p:cNvPr id="2" name="Online Media 1" title="The Hangover Card Counting Scene">
@@ -5380,7 +5718,7 @@
 </p:sld>
 </file>
 
-<file path=ppt/slides/slide11.xml><?xml version="1.0" encoding="utf-8"?>
+<file path=ppt/slides/slide12.xml><?xml version="1.0" encoding="utf-8"?>
 <p:sld xmlns:a="http://schemas.openxmlformats.org/drawingml/2006/main" xmlns:r="http://schemas.openxmlformats.org/officeDocument/2006/relationships" xmlns:p="http://schemas.openxmlformats.org/presentationml/2006/main">
   <p:cSld>
     <p:spTree>
@@ -5623,7 +5961,7 @@
 </p:sld>
 </file>
 
-<file path=ppt/slides/slide12.xml><?xml version="1.0" encoding="utf-8"?>
+<file path=ppt/slides/slide13.xml><?xml version="1.0" encoding="utf-8"?>
 <p:sld xmlns:a="http://schemas.openxmlformats.org/drawingml/2006/main" xmlns:r="http://schemas.openxmlformats.org/officeDocument/2006/relationships" xmlns:p="http://schemas.openxmlformats.org/presentationml/2006/main">
   <p:cSld>
     <p:spTree>
@@ -5879,231 +6217,6 @@
 </p:sld>
 </file>
 
-<file path=ppt/slides/slide13.xml><?xml version="1.0" encoding="utf-8"?>
-<p:sld xmlns:a="http://schemas.openxmlformats.org/drawingml/2006/main" xmlns:r="http://schemas.openxmlformats.org/officeDocument/2006/relationships" xmlns:p="http://schemas.openxmlformats.org/presentationml/2006/main">
-  <p:cSld>
-    <p:spTree>
-      <p:nvGrpSpPr>
-        <p:cNvPr id="1" name=""/>
-        <p:cNvGrpSpPr/>
-        <p:nvPr/>
-      </p:nvGrpSpPr>
-      <p:grpSpPr>
-        <a:xfrm>
-          <a:off x="0" y="0"/>
-          <a:ext cx="0" cy="0"/>
-          <a:chOff x="0" y="0"/>
-          <a:chExt cx="0" cy="0"/>
-        </a:xfrm>
-      </p:grpSpPr>
-      <p:sp>
-        <p:nvSpPr>
-          <p:cNvPr id="2" name="Title 1">
-            <a:extLst>
-              <a:ext uri="{FF2B5EF4-FFF2-40B4-BE49-F238E27FC236}">
-                <a16:creationId xmlns:a16="http://schemas.microsoft.com/office/drawing/2014/main" id="{64F06391-9CEB-42E1-8D53-C8F9CEF497CC}"/>
-              </a:ext>
-            </a:extLst>
-          </p:cNvPr>
-          <p:cNvSpPr>
-            <a:spLocks noGrp="1"/>
-          </p:cNvSpPr>
-          <p:nvPr>
-            <p:ph type="title"/>
-          </p:nvPr>
-        </p:nvSpPr>
-        <p:spPr/>
-        <p:txBody>
-          <a:bodyPr/>
-          <a:lstStyle/>
-          <a:p>
-            <a:r>
-              <a:rPr lang="en-US" cap="small" dirty="0">
-                <a:solidFill>
-                  <a:schemeClr val="accent4">
-                    <a:lumMod val="75000"/>
-                  </a:schemeClr>
-                </a:solidFill>
-              </a:rPr>
-              <a:t>Method 1: The Google News Model</a:t>
-            </a:r>
-          </a:p>
-        </p:txBody>
-      </p:sp>
-      <p:sp>
-        <p:nvSpPr>
-          <p:cNvPr id="3" name="Content Placeholder 2">
-            <a:extLst>
-              <a:ext uri="{FF2B5EF4-FFF2-40B4-BE49-F238E27FC236}">
-                <a16:creationId xmlns:a16="http://schemas.microsoft.com/office/drawing/2014/main" id="{FE8D8CA1-34FF-4658-BD66-9A92BEED331E}"/>
-              </a:ext>
-            </a:extLst>
-          </p:cNvPr>
-          <p:cNvSpPr>
-            <a:spLocks noGrp="1"/>
-          </p:cNvSpPr>
-          <p:nvPr>
-            <p:ph idx="1"/>
-          </p:nvPr>
-        </p:nvSpPr>
-        <p:spPr>
-          <a:xfrm>
-            <a:off x="838200" y="1825624"/>
-            <a:ext cx="10515600" cy="4481869"/>
-          </a:xfrm>
-        </p:spPr>
-        <p:txBody>
-          <a:bodyPr>
-            <a:normAutofit/>
-          </a:bodyPr>
-          <a:lstStyle/>
-          <a:p>
-            <a:r>
-              <a:rPr lang="en-US" dirty="0">
-                <a:solidFill>
-                  <a:schemeClr val="accent4">
-                    <a:lumMod val="75000"/>
-                  </a:schemeClr>
-                </a:solidFill>
-              </a:rPr>
-              <a:t>Google News Search</a:t>
-            </a:r>
-          </a:p>
-          <a:p>
-            <a:pPr lvl="1"/>
-            <a:r>
-              <a:rPr lang="en-US" dirty="0">
-                <a:solidFill>
-                  <a:schemeClr val="accent4">
-                    <a:lumMod val="75000"/>
-                  </a:schemeClr>
-                </a:solidFill>
-              </a:rPr>
-              <a:t>DON’T navigate to news.google.com (doesn’t yield result count)</a:t>
-            </a:r>
-          </a:p>
-          <a:p>
-            <a:pPr lvl="1"/>
-            <a:r>
-              <a:rPr lang="en-US" dirty="0">
-                <a:solidFill>
-                  <a:schemeClr val="accent4">
-                    <a:lumMod val="75000"/>
-                  </a:schemeClr>
-                </a:solidFill>
-              </a:rPr>
-              <a:t>Go to </a:t>
-            </a:r>
-            <a:r>
-              <a:rPr lang="en-US" dirty="0">
-                <a:hlinkClick r:id="rId3"/>
-              </a:rPr>
-              <a:t>https://www.google.com/</a:t>
-            </a:r>
-            <a:r>
-              <a:rPr lang="en-US" dirty="0">
-                <a:solidFill>
-                  <a:schemeClr val="accent4">
-                    <a:lumMod val="75000"/>
-                  </a:schemeClr>
-                </a:solidFill>
-              </a:rPr>
-              <a:t>, run a search, and then switch to “News”</a:t>
-            </a:r>
-          </a:p>
-          <a:p>
-            <a:pPr lvl="1"/>
-            <a:r>
-              <a:rPr lang="en-US" dirty="0">
-                <a:solidFill>
-                  <a:schemeClr val="accent4">
-                    <a:lumMod val="75000"/>
-                  </a:schemeClr>
-                </a:solidFill>
-              </a:rPr>
-              <a:t>Search for [Nominee name] and “Oscars” (add character’s name for actors)</a:t>
-            </a:r>
-          </a:p>
-          <a:p>
-            <a:pPr lvl="1"/>
-            <a:r>
-              <a:rPr lang="en-US" dirty="0">
-                <a:solidFill>
-                  <a:schemeClr val="accent4">
-                    <a:lumMod val="75000"/>
-                  </a:schemeClr>
-                </a:solidFill>
-              </a:rPr>
-              <a:t>Copy, paste the number of results into a csv</a:t>
-            </a:r>
-          </a:p>
-          <a:p>
-            <a:pPr lvl="1"/>
-            <a:r>
-              <a:rPr lang="en-US" dirty="0">
-                <a:solidFill>
-                  <a:schemeClr val="accent4">
-                    <a:lumMod val="75000"/>
-                  </a:schemeClr>
-                </a:solidFill>
-                <a:hlinkClick r:id="rId4"/>
-              </a:rPr>
-              <a:t>Sample 1</a:t>
-            </a:r>
-            <a:endParaRPr lang="en-US" dirty="0">
-              <a:solidFill>
-                <a:schemeClr val="accent4">
-                  <a:lumMod val="75000"/>
-                </a:schemeClr>
-              </a:solidFill>
-            </a:endParaRPr>
-          </a:p>
-          <a:p>
-            <a:pPr lvl="1"/>
-            <a:r>
-              <a:rPr lang="en-US" dirty="0">
-                <a:solidFill>
-                  <a:schemeClr val="accent4">
-                    <a:lumMod val="75000"/>
-                  </a:schemeClr>
-                </a:solidFill>
-                <a:hlinkClick r:id="rId5"/>
-              </a:rPr>
-              <a:t>Sample 2</a:t>
-            </a:r>
-            <a:endParaRPr lang="en-US" dirty="0">
-              <a:solidFill>
-                <a:schemeClr val="accent4">
-                  <a:lumMod val="75000"/>
-                </a:schemeClr>
-              </a:solidFill>
-            </a:endParaRPr>
-          </a:p>
-          <a:p>
-            <a:pPr lvl="1"/>
-            <a:endParaRPr lang="en-US" dirty="0">
-              <a:solidFill>
-                <a:schemeClr val="accent4">
-                  <a:lumMod val="75000"/>
-                </a:schemeClr>
-              </a:solidFill>
-            </a:endParaRPr>
-          </a:p>
-        </p:txBody>
-      </p:sp>
-    </p:spTree>
-    <p:extLst>
-      <p:ext uri="{BB962C8B-B14F-4D97-AF65-F5344CB8AC3E}">
-        <p14:creationId xmlns:p14="http://schemas.microsoft.com/office/powerpoint/2010/main" val="1391410932"/>
-      </p:ext>
-    </p:extLst>
-  </p:cSld>
-  <p:clrMapOvr>
-    <a:masterClrMapping/>
-  </p:clrMapOvr>
-</p:sld>
-</file>
-
 <file path=ppt/slides/slide14.xml><?xml version="1.0" encoding="utf-8"?>
 <p:sld xmlns:a="http://schemas.openxmlformats.org/drawingml/2006/main" xmlns:r="http://schemas.openxmlformats.org/officeDocument/2006/relationships" xmlns:p="http://schemas.openxmlformats.org/presentationml/2006/main">
   <p:cSld>
@@ -6123,50 +6236,203 @@
       </p:grpSpPr>
       <p:sp>
         <p:nvSpPr>
-          <p:cNvPr id="2" name="TextBox 1">
-            <a:extLst>
-              <a:ext uri="{FF2B5EF4-FFF2-40B4-BE49-F238E27FC236}">
-                <a16:creationId xmlns:a16="http://schemas.microsoft.com/office/drawing/2014/main" id="{F7ED7A06-C89B-4906-8FB9-5309DDF6F96D}"/>
-              </a:ext>
-            </a:extLst>
-          </p:cNvPr>
-          <p:cNvSpPr txBox="1"/>
-          <p:nvPr/>
+          <p:cNvPr id="2" name="Title 1">
+            <a:extLst>
+              <a:ext uri="{FF2B5EF4-FFF2-40B4-BE49-F238E27FC236}">
+                <a16:creationId xmlns:a16="http://schemas.microsoft.com/office/drawing/2014/main" id="{64F06391-9CEB-42E1-8D53-C8F9CEF497CC}"/>
+              </a:ext>
+            </a:extLst>
+          </p:cNvPr>
+          <p:cNvSpPr>
+            <a:spLocks noGrp="1"/>
+          </p:cNvSpPr>
+          <p:nvPr>
+            <p:ph type="title"/>
+          </p:nvPr>
+        </p:nvSpPr>
+        <p:spPr/>
+        <p:txBody>
+          <a:bodyPr/>
+          <a:lstStyle/>
+          <a:p>
+            <a:r>
+              <a:rPr lang="en-US" cap="small" dirty="0">
+                <a:solidFill>
+                  <a:schemeClr val="accent4">
+                    <a:lumMod val="75000"/>
+                  </a:schemeClr>
+                </a:solidFill>
+              </a:rPr>
+              <a:t>Method 1: The Google News Model</a:t>
+            </a:r>
+          </a:p>
+        </p:txBody>
+      </p:sp>
+      <p:sp>
+        <p:nvSpPr>
+          <p:cNvPr id="3" name="Content Placeholder 2">
+            <a:extLst>
+              <a:ext uri="{FF2B5EF4-FFF2-40B4-BE49-F238E27FC236}">
+                <a16:creationId xmlns:a16="http://schemas.microsoft.com/office/drawing/2014/main" id="{FE8D8CA1-34FF-4658-BD66-9A92BEED331E}"/>
+              </a:ext>
+            </a:extLst>
+          </p:cNvPr>
+          <p:cNvSpPr>
+            <a:spLocks noGrp="1"/>
+          </p:cNvSpPr>
+          <p:nvPr>
+            <p:ph idx="1"/>
+          </p:nvPr>
         </p:nvSpPr>
         <p:spPr>
           <a:xfrm>
-            <a:off x="3141406" y="2875002"/>
-            <a:ext cx="5909187" cy="1107996"/>
+            <a:off x="838200" y="1825624"/>
+            <a:ext cx="10515600" cy="4481869"/>
           </a:xfrm>
-          <a:prstGeom prst="rect">
-            <a:avLst/>
-          </a:prstGeom>
-          <a:noFill/>
         </p:spPr>
         <p:txBody>
-          <a:bodyPr wrap="square" rtlCol="0" anchor="ctr">
-            <a:spAutoFit/>
+          <a:bodyPr>
+            <a:normAutofit/>
           </a:bodyPr>
           <a:lstStyle/>
           <a:p>
-            <a:pPr algn="ctr"/>
-            <a:r>
-              <a:rPr lang="en-US" sz="6600" dirty="0">
-                <a:solidFill>
-                  <a:schemeClr val="accent4">
-                    <a:lumMod val="75000"/>
-                  </a:schemeClr>
-                </a:solidFill>
-              </a:rPr>
-              <a:t>OR…</a:t>
-            </a:r>
+            <a:r>
+              <a:rPr lang="en-US" dirty="0">
+                <a:solidFill>
+                  <a:schemeClr val="accent4">
+                    <a:lumMod val="75000"/>
+                  </a:schemeClr>
+                </a:solidFill>
+              </a:rPr>
+              <a:t>Google News Search</a:t>
+            </a:r>
+          </a:p>
+          <a:p>
+            <a:pPr lvl="1"/>
+            <a:r>
+              <a:rPr lang="en-US" dirty="0">
+                <a:solidFill>
+                  <a:schemeClr val="accent4">
+                    <a:lumMod val="75000"/>
+                  </a:schemeClr>
+                </a:solidFill>
+              </a:rPr>
+              <a:t>DON’T navigate to news.google.com (doesn’t yield result count)</a:t>
+            </a:r>
+          </a:p>
+          <a:p>
+            <a:pPr lvl="1"/>
+            <a:r>
+              <a:rPr lang="en-US" dirty="0">
+                <a:solidFill>
+                  <a:schemeClr val="accent4">
+                    <a:lumMod val="75000"/>
+                  </a:schemeClr>
+                </a:solidFill>
+              </a:rPr>
+              <a:t>Go to </a:t>
+            </a:r>
+            <a:r>
+              <a:rPr lang="en-US" dirty="0">
+                <a:hlinkClick r:id="rId3"/>
+              </a:rPr>
+              <a:t>https://www.google.com/</a:t>
+            </a:r>
+            <a:r>
+              <a:rPr lang="en-US" dirty="0">
+                <a:solidFill>
+                  <a:schemeClr val="accent4">
+                    <a:lumMod val="75000"/>
+                  </a:schemeClr>
+                </a:solidFill>
+              </a:rPr>
+              <a:t>, run a search, and then switch to “News”</a:t>
+            </a:r>
+          </a:p>
+          <a:p>
+            <a:pPr lvl="1"/>
+            <a:r>
+              <a:rPr lang="en-US" dirty="0">
+                <a:solidFill>
+                  <a:schemeClr val="accent4">
+                    <a:lumMod val="75000"/>
+                  </a:schemeClr>
+                </a:solidFill>
+              </a:rPr>
+              <a:t>Search for [Nominee name] and “Oscars” (add character’s name for actors)</a:t>
+            </a:r>
+          </a:p>
+          <a:p>
+            <a:pPr lvl="1"/>
+            <a:r>
+              <a:rPr lang="en-US" dirty="0">
+                <a:solidFill>
+                  <a:schemeClr val="accent4">
+                    <a:lumMod val="75000"/>
+                  </a:schemeClr>
+                </a:solidFill>
+              </a:rPr>
+              <a:t>Copy, paste the number of results into a csv</a:t>
+            </a:r>
+          </a:p>
+          <a:p>
+            <a:pPr lvl="1"/>
+            <a:r>
+              <a:rPr lang="en-US" dirty="0">
+                <a:solidFill>
+                  <a:schemeClr val="accent4">
+                    <a:lumMod val="75000"/>
+                  </a:schemeClr>
+                </a:solidFill>
+                <a:hlinkClick r:id="rId4"/>
+              </a:rPr>
+              <a:t>Sample 1</a:t>
+            </a:r>
+            <a:endParaRPr lang="en-US" dirty="0">
+              <a:solidFill>
+                <a:schemeClr val="accent4">
+                  <a:lumMod val="75000"/>
+                </a:schemeClr>
+              </a:solidFill>
+            </a:endParaRPr>
+          </a:p>
+          <a:p>
+            <a:pPr lvl="1"/>
+            <a:r>
+              <a:rPr lang="en-US" dirty="0">
+                <a:solidFill>
+                  <a:schemeClr val="accent4">
+                    <a:lumMod val="75000"/>
+                  </a:schemeClr>
+                </a:solidFill>
+                <a:hlinkClick r:id="rId5"/>
+              </a:rPr>
+              <a:t>Sample 2</a:t>
+            </a:r>
+            <a:endParaRPr lang="en-US" dirty="0">
+              <a:solidFill>
+                <a:schemeClr val="accent4">
+                  <a:lumMod val="75000"/>
+                </a:schemeClr>
+              </a:solidFill>
+            </a:endParaRPr>
+          </a:p>
+          <a:p>
+            <a:pPr lvl="1"/>
+            <a:endParaRPr lang="en-US" dirty="0">
+              <a:solidFill>
+                <a:schemeClr val="accent4">
+                  <a:lumMod val="75000"/>
+                </a:schemeClr>
+              </a:solidFill>
+            </a:endParaRPr>
           </a:p>
         </p:txBody>
       </p:sp>
     </p:spTree>
     <p:extLst>
       <p:ext uri="{BB962C8B-B14F-4D97-AF65-F5344CB8AC3E}">
-        <p14:creationId xmlns:p14="http://schemas.microsoft.com/office/powerpoint/2010/main" val="41305472"/>
+        <p14:creationId xmlns:p14="http://schemas.microsoft.com/office/powerpoint/2010/main" val="1391410932"/>
       </p:ext>
     </p:extLst>
   </p:cSld>
@@ -6195,6 +6461,78 @@
       </p:grpSpPr>
       <p:sp>
         <p:nvSpPr>
+          <p:cNvPr id="2" name="TextBox 1">
+            <a:extLst>
+              <a:ext uri="{FF2B5EF4-FFF2-40B4-BE49-F238E27FC236}">
+                <a16:creationId xmlns:a16="http://schemas.microsoft.com/office/drawing/2014/main" id="{F7ED7A06-C89B-4906-8FB9-5309DDF6F96D}"/>
+              </a:ext>
+            </a:extLst>
+          </p:cNvPr>
+          <p:cNvSpPr txBox="1"/>
+          <p:nvPr/>
+        </p:nvSpPr>
+        <p:spPr>
+          <a:xfrm>
+            <a:off x="3141406" y="2875002"/>
+            <a:ext cx="5909187" cy="1107996"/>
+          </a:xfrm>
+          <a:prstGeom prst="rect">
+            <a:avLst/>
+          </a:prstGeom>
+          <a:noFill/>
+        </p:spPr>
+        <p:txBody>
+          <a:bodyPr wrap="square" rtlCol="0" anchor="ctr">
+            <a:spAutoFit/>
+          </a:bodyPr>
+          <a:lstStyle/>
+          <a:p>
+            <a:pPr algn="ctr"/>
+            <a:r>
+              <a:rPr lang="en-US" sz="6600" dirty="0">
+                <a:solidFill>
+                  <a:schemeClr val="accent4">
+                    <a:lumMod val="75000"/>
+                  </a:schemeClr>
+                </a:solidFill>
+              </a:rPr>
+              <a:t>OR…</a:t>
+            </a:r>
+          </a:p>
+        </p:txBody>
+      </p:sp>
+    </p:spTree>
+    <p:extLst>
+      <p:ext uri="{BB962C8B-B14F-4D97-AF65-F5344CB8AC3E}">
+        <p14:creationId xmlns:p14="http://schemas.microsoft.com/office/powerpoint/2010/main" val="41305472"/>
+      </p:ext>
+    </p:extLst>
+  </p:cSld>
+  <p:clrMapOvr>
+    <a:masterClrMapping/>
+  </p:clrMapOvr>
+</p:sld>
+</file>
+
+<file path=ppt/slides/slide16.xml><?xml version="1.0" encoding="utf-8"?>
+<p:sld xmlns:a="http://schemas.openxmlformats.org/drawingml/2006/main" xmlns:r="http://schemas.openxmlformats.org/officeDocument/2006/relationships" xmlns:p="http://schemas.openxmlformats.org/presentationml/2006/main">
+  <p:cSld>
+    <p:spTree>
+      <p:nvGrpSpPr>
+        <p:cNvPr id="1" name=""/>
+        <p:cNvGrpSpPr/>
+        <p:nvPr/>
+      </p:nvGrpSpPr>
+      <p:grpSpPr>
+        <a:xfrm>
+          <a:off x="0" y="0"/>
+          <a:ext cx="0" cy="0"/>
+          <a:chOff x="0" y="0"/>
+          <a:chExt cx="0" cy="0"/>
+        </a:xfrm>
+      </p:grpSpPr>
+      <p:sp>
+        <p:nvSpPr>
           <p:cNvPr id="2" name="Title 1">
             <a:extLst>
               <a:ext uri="{FF2B5EF4-FFF2-40B4-BE49-F238E27FC236}">
@@ -6422,7 +6760,7 @@
 </p:sld>
 </file>
 
-<file path=ppt/slides/slide16.xml><?xml version="1.0" encoding="utf-8"?>
+<file path=ppt/slides/slide17.xml><?xml version="1.0" encoding="utf-8"?>
 <p:sld xmlns:a="http://schemas.openxmlformats.org/drawingml/2006/main" xmlns:r="http://schemas.openxmlformats.org/officeDocument/2006/relationships" xmlns:p="http://schemas.openxmlformats.org/presentationml/2006/main">
   <p:cSld>
     <p:spTree>
@@ -6593,7 +6931,7 @@
 </p:sld>
 </file>
 
-<file path=ppt/slides/slide17.xml><?xml version="1.0" encoding="utf-8"?>
+<file path=ppt/slides/slide18.xml><?xml version="1.0" encoding="utf-8"?>
 <p:sld xmlns:a="http://schemas.openxmlformats.org/drawingml/2006/main" xmlns:r="http://schemas.openxmlformats.org/officeDocument/2006/relationships" xmlns:p="http://schemas.openxmlformats.org/presentationml/2006/main">
   <p:cSld>
     <p:spTree>
@@ -6751,7 +7089,7 @@
 </p:sld>
 </file>
 
-<file path=ppt/slides/slide18.xml><?xml version="1.0" encoding="utf-8"?>
+<file path=ppt/slides/slide19.xml><?xml version="1.0" encoding="utf-8"?>
 <p:sld xmlns:a="http://schemas.openxmlformats.org/drawingml/2006/main" xmlns:r="http://schemas.openxmlformats.org/officeDocument/2006/relationships" xmlns:p="http://schemas.openxmlformats.org/presentationml/2006/main">
   <p:cSld>
     <p:spTree>
@@ -6900,251 +7238,6 @@
     <p:extLst>
       <p:ext uri="{BB962C8B-B14F-4D97-AF65-F5344CB8AC3E}">
         <p14:creationId xmlns:p14="http://schemas.microsoft.com/office/powerpoint/2010/main" val="3539677343"/>
-      </p:ext>
-    </p:extLst>
-  </p:cSld>
-  <p:clrMapOvr>
-    <a:masterClrMapping/>
-  </p:clrMapOvr>
-</p:sld>
-</file>
-
-<file path=ppt/slides/slide19.xml><?xml version="1.0" encoding="utf-8"?>
-<p:sld xmlns:a="http://schemas.openxmlformats.org/drawingml/2006/main" xmlns:r="http://schemas.openxmlformats.org/officeDocument/2006/relationships" xmlns:p="http://schemas.openxmlformats.org/presentationml/2006/main">
-  <p:cSld>
-    <p:spTree>
-      <p:nvGrpSpPr>
-        <p:cNvPr id="1" name=""/>
-        <p:cNvGrpSpPr/>
-        <p:nvPr/>
-      </p:nvGrpSpPr>
-      <p:grpSpPr>
-        <a:xfrm>
-          <a:off x="0" y="0"/>
-          <a:ext cx="0" cy="0"/>
-          <a:chOff x="0" y="0"/>
-          <a:chExt cx="0" cy="0"/>
-        </a:xfrm>
-      </p:grpSpPr>
-      <p:sp>
-        <p:nvSpPr>
-          <p:cNvPr id="2" name="Title 1">
-            <a:extLst>
-              <a:ext uri="{FF2B5EF4-FFF2-40B4-BE49-F238E27FC236}">
-                <a16:creationId xmlns:a16="http://schemas.microsoft.com/office/drawing/2014/main" id="{64F06391-9CEB-42E1-8D53-C8F9CEF497CC}"/>
-              </a:ext>
-            </a:extLst>
-          </p:cNvPr>
-          <p:cNvSpPr>
-            <a:spLocks noGrp="1"/>
-          </p:cNvSpPr>
-          <p:nvPr>
-            <p:ph type="title"/>
-          </p:nvPr>
-        </p:nvSpPr>
-        <p:spPr/>
-        <p:txBody>
-          <a:bodyPr/>
-          <a:lstStyle/>
-          <a:p>
-            <a:r>
-              <a:rPr lang="en-US" cap="small" dirty="0">
-                <a:solidFill>
-                  <a:schemeClr val="accent4">
-                    <a:lumMod val="75000"/>
-                  </a:schemeClr>
-                </a:solidFill>
-              </a:rPr>
-              <a:t>Method 2: The 538 Model</a:t>
-            </a:r>
-          </a:p>
-        </p:txBody>
-      </p:sp>
-      <p:sp>
-        <p:nvSpPr>
-          <p:cNvPr id="3" name="Content Placeholder 2">
-            <a:extLst>
-              <a:ext uri="{FF2B5EF4-FFF2-40B4-BE49-F238E27FC236}">
-                <a16:creationId xmlns:a16="http://schemas.microsoft.com/office/drawing/2014/main" id="{FE8D8CA1-34FF-4658-BD66-9A92BEED331E}"/>
-              </a:ext>
-            </a:extLst>
-          </p:cNvPr>
-          <p:cNvSpPr>
-            <a:spLocks noGrp="1"/>
-          </p:cNvSpPr>
-          <p:nvPr>
-            <p:ph idx="1"/>
-          </p:nvPr>
-        </p:nvSpPr>
-        <p:spPr>
-          <a:xfrm>
-            <a:off x="838200" y="1825624"/>
-            <a:ext cx="10515600" cy="4840647"/>
-          </a:xfrm>
-        </p:spPr>
-        <p:txBody>
-          <a:bodyPr>
-            <a:normAutofit fontScale="92500" lnSpcReduction="10000"/>
-          </a:bodyPr>
-          <a:lstStyle/>
-          <a:p>
-            <a:r>
-              <a:rPr lang="en-US" dirty="0">
-                <a:solidFill>
-                  <a:schemeClr val="accent4">
-                    <a:lumMod val="75000"/>
-                  </a:schemeClr>
-                </a:solidFill>
-              </a:rPr>
-              <a:t>Developed by Walt Hickey</a:t>
-            </a:r>
-          </a:p>
-          <a:p>
-            <a:r>
-              <a:rPr lang="en-US" dirty="0">
-                <a:solidFill>
-                  <a:schemeClr val="accent4">
-                    <a:lumMod val="75000"/>
-                  </a:schemeClr>
-                </a:solidFill>
-              </a:rPr>
-              <a:t>Hypothesis: </a:t>
-            </a:r>
-          </a:p>
-          <a:p>
-            <a:pPr lvl="1"/>
-            <a:r>
-              <a:rPr lang="en-US" dirty="0">
-                <a:solidFill>
-                  <a:schemeClr val="accent4">
-                    <a:lumMod val="75000"/>
-                  </a:schemeClr>
-                </a:solidFill>
-              </a:rPr>
-              <a:t>Other awards shows (Golden Globes, SAG, DGA, etc.) are like polls. Certain award shows may signal frontrunners for certain categories.</a:t>
-            </a:r>
-          </a:p>
-          <a:p>
-            <a:r>
-              <a:rPr lang="en-US" dirty="0">
-                <a:solidFill>
-                  <a:schemeClr val="accent4">
-                    <a:lumMod val="75000"/>
-                  </a:schemeClr>
-                </a:solidFill>
-              </a:rPr>
-              <a:t>Method:</a:t>
-            </a:r>
-          </a:p>
-          <a:p>
-            <a:pPr lvl="1"/>
-            <a:r>
-              <a:rPr lang="en-US" dirty="0">
-                <a:solidFill>
-                  <a:schemeClr val="accent4">
-                    <a:lumMod val="75000"/>
-                  </a:schemeClr>
-                </a:solidFill>
-              </a:rPr>
-              <a:t>Take each preceding award show for the last 25 years</a:t>
-            </a:r>
-          </a:p>
-          <a:p>
-            <a:pPr lvl="1"/>
-            <a:r>
-              <a:rPr lang="en-US" dirty="0">
-                <a:solidFill>
-                  <a:schemeClr val="accent4">
-                    <a:lumMod val="75000"/>
-                  </a:schemeClr>
-                </a:solidFill>
-              </a:rPr>
-              <a:t>Calculate the % of years that award show accurately predicted each category.</a:t>
-            </a:r>
-          </a:p>
-          <a:p>
-            <a:pPr lvl="1"/>
-            <a:r>
-              <a:rPr lang="en-US" dirty="0">
-                <a:solidFill>
-                  <a:schemeClr val="accent4">
-                    <a:lumMod val="75000"/>
-                  </a:schemeClr>
-                </a:solidFill>
-              </a:rPr>
-              <a:t>Square the percentage</a:t>
-            </a:r>
-          </a:p>
-          <a:p>
-            <a:pPr lvl="1"/>
-            <a:r>
-              <a:rPr lang="en-US" dirty="0">
-                <a:solidFill>
-                  <a:schemeClr val="accent4">
-                    <a:lumMod val="75000"/>
-                  </a:schemeClr>
-                </a:solidFill>
-              </a:rPr>
-              <a:t>If the show represents an "insider" show (producers guild, etc.), double the score</a:t>
-            </a:r>
-          </a:p>
-          <a:p>
-            <a:pPr lvl="1"/>
-            <a:r>
-              <a:rPr lang="en-US" dirty="0">
-                <a:solidFill>
-                  <a:schemeClr val="accent4">
-                    <a:lumMod val="75000"/>
-                  </a:schemeClr>
-                </a:solidFill>
-              </a:rPr>
-              <a:t>Add up the scores for each film in each category</a:t>
-            </a:r>
-          </a:p>
-          <a:p>
-            <a:pPr lvl="1"/>
-            <a:r>
-              <a:rPr lang="en-US" dirty="0">
-                <a:solidFill>
-                  <a:schemeClr val="accent4">
-                    <a:lumMod val="75000"/>
-                  </a:schemeClr>
-                </a:solidFill>
-              </a:rPr>
-              <a:t>Highest score wins</a:t>
-            </a:r>
-          </a:p>
-          <a:p>
-            <a:r>
-              <a:rPr lang="en-US" dirty="0">
-                <a:solidFill>
-                  <a:schemeClr val="accent4">
-                    <a:lumMod val="75000"/>
-                  </a:schemeClr>
-                </a:solidFill>
-              </a:rPr>
-              <a:t>Where/how to collect the data:</a:t>
-            </a:r>
-          </a:p>
-          <a:p>
-            <a:pPr lvl="1"/>
-            <a:r>
-              <a:rPr lang="en-US" dirty="0">
-                <a:solidFill>
-                  <a:schemeClr val="accent4">
-                    <a:lumMod val="75000"/>
-                  </a:schemeClr>
-                </a:solidFill>
-              </a:rPr>
-              <a:t>IMDb has pages for most major awards</a:t>
-            </a:r>
-          </a:p>
-        </p:txBody>
-      </p:sp>
-    </p:spTree>
-    <p:extLst>
-      <p:ext uri="{BB962C8B-B14F-4D97-AF65-F5344CB8AC3E}">
-        <p14:creationId xmlns:p14="http://schemas.microsoft.com/office/powerpoint/2010/main" val="3476849733"/>
       </p:ext>
     </p:extLst>
   </p:cSld>
@@ -7422,12 +7515,12 @@
         <p:spPr>
           <a:xfrm>
             <a:off x="838200" y="1825624"/>
-            <a:ext cx="10515600" cy="4481869"/>
+            <a:ext cx="10515600" cy="4840647"/>
           </a:xfrm>
         </p:spPr>
         <p:txBody>
           <a:bodyPr>
-            <a:normAutofit/>
+            <a:normAutofit fontScale="92500" lnSpcReduction="10000"/>
           </a:bodyPr>
           <a:lstStyle/>
           <a:p>
@@ -7439,7 +7532,147 @@
                   </a:schemeClr>
                 </a:solidFill>
               </a:rPr>
-              <a:t>Let’s go to the code…</a:t>
+              <a:t>Developed by Walt Hickey</a:t>
+            </a:r>
+          </a:p>
+          <a:p>
+            <a:r>
+              <a:rPr lang="en-US" dirty="0">
+                <a:solidFill>
+                  <a:schemeClr val="accent4">
+                    <a:lumMod val="75000"/>
+                  </a:schemeClr>
+                </a:solidFill>
+              </a:rPr>
+              <a:t>Hypothesis: </a:t>
+            </a:r>
+          </a:p>
+          <a:p>
+            <a:pPr lvl="1"/>
+            <a:r>
+              <a:rPr lang="en-US" dirty="0">
+                <a:solidFill>
+                  <a:schemeClr val="accent4">
+                    <a:lumMod val="75000"/>
+                  </a:schemeClr>
+                </a:solidFill>
+              </a:rPr>
+              <a:t>Other awards shows (Golden Globes, SAG, DGA, etc.) are like polls. Certain award shows may signal frontrunners for certain categories.</a:t>
+            </a:r>
+          </a:p>
+          <a:p>
+            <a:r>
+              <a:rPr lang="en-US" dirty="0">
+                <a:solidFill>
+                  <a:schemeClr val="accent4">
+                    <a:lumMod val="75000"/>
+                  </a:schemeClr>
+                </a:solidFill>
+              </a:rPr>
+              <a:t>Method:</a:t>
+            </a:r>
+          </a:p>
+          <a:p>
+            <a:pPr lvl="1"/>
+            <a:r>
+              <a:rPr lang="en-US" dirty="0">
+                <a:solidFill>
+                  <a:schemeClr val="accent4">
+                    <a:lumMod val="75000"/>
+                  </a:schemeClr>
+                </a:solidFill>
+              </a:rPr>
+              <a:t>Take each preceding award show for the last 25 years</a:t>
+            </a:r>
+          </a:p>
+          <a:p>
+            <a:pPr lvl="1"/>
+            <a:r>
+              <a:rPr lang="en-US" dirty="0">
+                <a:solidFill>
+                  <a:schemeClr val="accent4">
+                    <a:lumMod val="75000"/>
+                  </a:schemeClr>
+                </a:solidFill>
+              </a:rPr>
+              <a:t>Calculate the % of years that award show accurately predicted each category.</a:t>
+            </a:r>
+          </a:p>
+          <a:p>
+            <a:pPr lvl="1"/>
+            <a:r>
+              <a:rPr lang="en-US" dirty="0">
+                <a:solidFill>
+                  <a:schemeClr val="accent4">
+                    <a:lumMod val="75000"/>
+                  </a:schemeClr>
+                </a:solidFill>
+              </a:rPr>
+              <a:t>Square the percentage</a:t>
+            </a:r>
+          </a:p>
+          <a:p>
+            <a:pPr lvl="1"/>
+            <a:r>
+              <a:rPr lang="en-US" dirty="0">
+                <a:solidFill>
+                  <a:schemeClr val="accent4">
+                    <a:lumMod val="75000"/>
+                  </a:schemeClr>
+                </a:solidFill>
+              </a:rPr>
+              <a:t>If the show represents an "insider" show (producers guild, etc.), double the score</a:t>
+            </a:r>
+          </a:p>
+          <a:p>
+            <a:pPr lvl="1"/>
+            <a:r>
+              <a:rPr lang="en-US" dirty="0">
+                <a:solidFill>
+                  <a:schemeClr val="accent4">
+                    <a:lumMod val="75000"/>
+                  </a:schemeClr>
+                </a:solidFill>
+              </a:rPr>
+              <a:t>Add up the scores for each film in each category</a:t>
+            </a:r>
+          </a:p>
+          <a:p>
+            <a:pPr lvl="1"/>
+            <a:r>
+              <a:rPr lang="en-US" dirty="0">
+                <a:solidFill>
+                  <a:schemeClr val="accent4">
+                    <a:lumMod val="75000"/>
+                  </a:schemeClr>
+                </a:solidFill>
+              </a:rPr>
+              <a:t>Highest score wins</a:t>
+            </a:r>
+          </a:p>
+          <a:p>
+            <a:r>
+              <a:rPr lang="en-US" dirty="0">
+                <a:solidFill>
+                  <a:schemeClr val="accent4">
+                    <a:lumMod val="75000"/>
+                  </a:schemeClr>
+                </a:solidFill>
+              </a:rPr>
+              <a:t>Where/how to collect the data:</a:t>
+            </a:r>
+          </a:p>
+          <a:p>
+            <a:pPr lvl="1"/>
+            <a:r>
+              <a:rPr lang="en-US" dirty="0">
+                <a:solidFill>
+                  <a:schemeClr val="accent4">
+                    <a:lumMod val="75000"/>
+                  </a:schemeClr>
+                </a:solidFill>
+              </a:rPr>
+              <a:t>IMDb has pages for most major awards</a:t>
             </a:r>
           </a:p>
         </p:txBody>
@@ -7447,7 +7680,7 @@
     </p:spTree>
     <p:extLst>
       <p:ext uri="{BB962C8B-B14F-4D97-AF65-F5344CB8AC3E}">
-        <p14:creationId xmlns:p14="http://schemas.microsoft.com/office/powerpoint/2010/main" val="1020263437"/>
+        <p14:creationId xmlns:p14="http://schemas.microsoft.com/office/powerpoint/2010/main" val="3476849733"/>
       </p:ext>
     </p:extLst>
   </p:cSld>
@@ -7503,6 +7736,111 @@
                   </a:schemeClr>
                 </a:solidFill>
               </a:rPr>
+              <a:t>Method 2: The 538 Model</a:t>
+            </a:r>
+          </a:p>
+        </p:txBody>
+      </p:sp>
+      <p:sp>
+        <p:nvSpPr>
+          <p:cNvPr id="3" name="Content Placeholder 2">
+            <a:extLst>
+              <a:ext uri="{FF2B5EF4-FFF2-40B4-BE49-F238E27FC236}">
+                <a16:creationId xmlns:a16="http://schemas.microsoft.com/office/drawing/2014/main" id="{FE8D8CA1-34FF-4658-BD66-9A92BEED331E}"/>
+              </a:ext>
+            </a:extLst>
+          </p:cNvPr>
+          <p:cNvSpPr>
+            <a:spLocks noGrp="1"/>
+          </p:cNvSpPr>
+          <p:nvPr>
+            <p:ph idx="1"/>
+          </p:nvPr>
+        </p:nvSpPr>
+        <p:spPr>
+          <a:xfrm>
+            <a:off x="838200" y="1825624"/>
+            <a:ext cx="10515600" cy="4481869"/>
+          </a:xfrm>
+        </p:spPr>
+        <p:txBody>
+          <a:bodyPr>
+            <a:normAutofit/>
+          </a:bodyPr>
+          <a:lstStyle/>
+          <a:p>
+            <a:r>
+              <a:rPr lang="en-US" dirty="0">
+                <a:solidFill>
+                  <a:schemeClr val="accent4">
+                    <a:lumMod val="75000"/>
+                  </a:schemeClr>
+                </a:solidFill>
+              </a:rPr>
+              <a:t>Let’s go to the code…</a:t>
+            </a:r>
+          </a:p>
+        </p:txBody>
+      </p:sp>
+    </p:spTree>
+    <p:extLst>
+      <p:ext uri="{BB962C8B-B14F-4D97-AF65-F5344CB8AC3E}">
+        <p14:creationId xmlns:p14="http://schemas.microsoft.com/office/powerpoint/2010/main" val="1020263437"/>
+      </p:ext>
+    </p:extLst>
+  </p:cSld>
+  <p:clrMapOvr>
+    <a:masterClrMapping/>
+  </p:clrMapOvr>
+</p:sld>
+</file>
+
+<file path=ppt/slides/slide22.xml><?xml version="1.0" encoding="utf-8"?>
+<p:sld xmlns:a="http://schemas.openxmlformats.org/drawingml/2006/main" xmlns:r="http://schemas.openxmlformats.org/officeDocument/2006/relationships" xmlns:p="http://schemas.openxmlformats.org/presentationml/2006/main">
+  <p:cSld>
+    <p:spTree>
+      <p:nvGrpSpPr>
+        <p:cNvPr id="1" name=""/>
+        <p:cNvGrpSpPr/>
+        <p:nvPr/>
+      </p:nvGrpSpPr>
+      <p:grpSpPr>
+        <a:xfrm>
+          <a:off x="0" y="0"/>
+          <a:ext cx="0" cy="0"/>
+          <a:chOff x="0" y="0"/>
+          <a:chExt cx="0" cy="0"/>
+        </a:xfrm>
+      </p:grpSpPr>
+      <p:sp>
+        <p:nvSpPr>
+          <p:cNvPr id="2" name="Title 1">
+            <a:extLst>
+              <a:ext uri="{FF2B5EF4-FFF2-40B4-BE49-F238E27FC236}">
+                <a16:creationId xmlns:a16="http://schemas.microsoft.com/office/drawing/2014/main" id="{64F06391-9CEB-42E1-8D53-C8F9CEF497CC}"/>
+              </a:ext>
+            </a:extLst>
+          </p:cNvPr>
+          <p:cNvSpPr>
+            <a:spLocks noGrp="1"/>
+          </p:cNvSpPr>
+          <p:nvPr>
+            <p:ph type="title"/>
+          </p:nvPr>
+        </p:nvSpPr>
+        <p:spPr/>
+        <p:txBody>
+          <a:bodyPr/>
+          <a:lstStyle/>
+          <a:p>
+            <a:r>
+              <a:rPr lang="en-US" cap="small" dirty="0">
+                <a:solidFill>
+                  <a:schemeClr val="accent4">
+                    <a:lumMod val="75000"/>
+                  </a:schemeClr>
+                </a:solidFill>
+              </a:rPr>
               <a:t>Other Models</a:t>
             </a:r>
           </a:p>
@@ -7673,7 +8011,7 @@
 </p:sld>
 </file>
 
-<file path=ppt/slides/slide22.xml><?xml version="1.0" encoding="utf-8"?>
+<file path=ppt/slides/slide23.xml><?xml version="1.0" encoding="utf-8"?>
 <p:sld xmlns:a="http://schemas.openxmlformats.org/drawingml/2006/main" xmlns:r="http://schemas.openxmlformats.org/officeDocument/2006/relationships" xmlns:p="http://schemas.openxmlformats.org/presentationml/2006/main">
   <p:cSld>
     <p:spTree>
@@ -7871,7 +8209,7 @@
 </p:sld>
 </file>
 
-<file path=ppt/slides/slide23.xml><?xml version="1.0" encoding="utf-8"?>
+<file path=ppt/slides/slide24.xml><?xml version="1.0" encoding="utf-8"?>
 <p:sld xmlns:a="http://schemas.openxmlformats.org/drawingml/2006/main" xmlns:r="http://schemas.openxmlformats.org/officeDocument/2006/relationships" xmlns:p="http://schemas.openxmlformats.org/presentationml/2006/main">
   <p:cSld>
     <p:spTree>
